--- a/3pro.pptx
+++ b/3pro.pptx
@@ -5,22 +5,21 @@
     <p:sldMasterId id="2147483648" r:id="rId1"/>
   </p:sldMasterIdLst>
   <p:notesMasterIdLst>
-    <p:notesMasterId r:id="rId15"/>
+    <p:notesMasterId r:id="rId14"/>
   </p:notesMasterIdLst>
   <p:sldIdLst>
-    <p:sldId id="256" r:id="rId2"/>
-    <p:sldId id="257" r:id="rId3"/>
-    <p:sldId id="258" r:id="rId4"/>
-    <p:sldId id="259" r:id="rId5"/>
-    <p:sldId id="265" r:id="rId6"/>
-    <p:sldId id="260" r:id="rId7"/>
-    <p:sldId id="266" r:id="rId8"/>
-    <p:sldId id="267" r:id="rId9"/>
-    <p:sldId id="268" r:id="rId10"/>
-    <p:sldId id="261" r:id="rId11"/>
-    <p:sldId id="262" r:id="rId12"/>
-    <p:sldId id="263" r:id="rId13"/>
-    <p:sldId id="264" r:id="rId14"/>
+    <p:sldId id="257" r:id="rId2"/>
+    <p:sldId id="258" r:id="rId3"/>
+    <p:sldId id="259" r:id="rId4"/>
+    <p:sldId id="265" r:id="rId5"/>
+    <p:sldId id="260" r:id="rId6"/>
+    <p:sldId id="266" r:id="rId7"/>
+    <p:sldId id="267" r:id="rId8"/>
+    <p:sldId id="268" r:id="rId9"/>
+    <p:sldId id="261" r:id="rId10"/>
+    <p:sldId id="262" r:id="rId11"/>
+    <p:sldId id="263" r:id="rId12"/>
+    <p:sldId id="264" r:id="rId13"/>
   </p:sldIdLst>
   <p:sldSz cx="12192000" cy="6858000"/>
   <p:notesSz cx="6858000" cy="9144000"/>
@@ -507,6 +506,332 @@
     </a:lvl9pPr>
   </p:notesStyle>
 </p:notesMaster>
+</file>
+
+<file path=ppt/notesSlides/notesSlide1.xml><?xml version="1.0" encoding="utf-8"?>
+<p:notes xmlns:a="http://schemas.openxmlformats.org/drawingml/2006/main" xmlns:r="http://schemas.openxmlformats.org/officeDocument/2006/relationships" xmlns:p="http://schemas.openxmlformats.org/presentationml/2006/main">
+  <p:cSld>
+    <p:spTree>
+      <p:nvGrpSpPr>
+        <p:cNvPr id="1" name=""/>
+        <p:cNvGrpSpPr/>
+        <p:nvPr/>
+      </p:nvGrpSpPr>
+      <p:grpSpPr>
+        <a:xfrm>
+          <a:off x="0" y="0"/>
+          <a:ext cx="0" cy="0"/>
+          <a:chOff x="0" y="0"/>
+          <a:chExt cx="0" cy="0"/>
+        </a:xfrm>
+      </p:grpSpPr>
+      <p:sp>
+        <p:nvSpPr>
+          <p:cNvPr id="2" name="スライド イメージ プレースホルダー 1"/>
+          <p:cNvSpPr>
+            <a:spLocks noGrp="1" noRot="1" noChangeAspect="1"/>
+          </p:cNvSpPr>
+          <p:nvPr>
+            <p:ph type="sldImg"/>
+          </p:nvPr>
+        </p:nvSpPr>
+        <p:spPr/>
+      </p:sp>
+      <p:sp>
+        <p:nvSpPr>
+          <p:cNvPr id="3" name="ノート プレースホルダー 2"/>
+          <p:cNvSpPr>
+            <a:spLocks noGrp="1"/>
+          </p:cNvSpPr>
+          <p:nvPr>
+            <p:ph type="body" idx="1"/>
+          </p:nvPr>
+        </p:nvSpPr>
+        <p:spPr/>
+        <p:txBody>
+          <a:bodyPr/>
+          <a:lstStyle/>
+          <a:p>
+            <a:r>
+              <a:rPr kumimoji="1" lang="ja-JP" altLang="en-US" dirty="0" smtClean="0"/>
+              <a:t>具体例</a:t>
+            </a:r>
+            <a:r>
+              <a:rPr kumimoji="1" lang="en-US" altLang="ja-JP" dirty="0" smtClean="0"/>
+              <a:t>)</a:t>
+            </a:r>
+            <a:r>
+              <a:rPr kumimoji="1" lang="ja-JP" altLang="en-US" dirty="0" smtClean="0"/>
+              <a:t> </a:t>
+            </a:r>
+            <a:r>
+              <a:rPr kumimoji="1" lang="en-US" altLang="ja-JP" dirty="0" err="1" smtClean="0"/>
+              <a:t>geochart</a:t>
+            </a:r>
+            <a:r>
+              <a:rPr kumimoji="1" lang="ja-JP" altLang="en-US" dirty="0" smtClean="0"/>
+              <a:t>の例から</a:t>
+            </a:r>
+            <a:r>
+              <a:rPr kumimoji="1" lang="en-US" altLang="ja-JP" dirty="0" smtClean="0"/>
+              <a:t>2017 2016/2</a:t>
+            </a:r>
+          </a:p>
+          <a:p>
+            <a:r>
+              <a:rPr kumimoji="1" lang="ja-JP" altLang="en-US" dirty="0" smtClean="0"/>
+              <a:t>色が濃い地域が死者の多い地域、薄い少ない</a:t>
+            </a:r>
+            <a:endParaRPr kumimoji="1" lang="en-US" altLang="ja-JP" dirty="0" smtClean="0"/>
+          </a:p>
+          <a:p>
+            <a:r>
+              <a:rPr kumimoji="1" lang="ja-JP" altLang="en-US" dirty="0" smtClean="0"/>
+              <a:t>どこが色の濃い地域</a:t>
+            </a:r>
+            <a:r>
+              <a:rPr kumimoji="1" lang="en-US" altLang="ja-JP" dirty="0" smtClean="0"/>
+              <a:t>(</a:t>
+            </a:r>
+            <a:r>
+              <a:rPr kumimoji="1" lang="ja-JP" altLang="en-US" dirty="0" smtClean="0"/>
+              <a:t>死者が多い地域</a:t>
+            </a:r>
+            <a:r>
+              <a:rPr kumimoji="1" lang="en-US" altLang="ja-JP" dirty="0" smtClean="0"/>
+              <a:t>)</a:t>
+            </a:r>
+            <a:r>
+              <a:rPr kumimoji="1" lang="ja-JP" altLang="en-US" dirty="0" smtClean="0"/>
+              <a:t>かはわかりやすい。</a:t>
+            </a:r>
+            <a:endParaRPr kumimoji="1" lang="en-US" altLang="ja-JP" dirty="0" smtClean="0"/>
+          </a:p>
+          <a:p>
+            <a:r>
+              <a:rPr kumimoji="1" lang="ja-JP" altLang="en-US" dirty="0" smtClean="0"/>
+              <a:t>色の濃い部分の</a:t>
+            </a:r>
+            <a:r>
+              <a:rPr kumimoji="1" lang="en-US" altLang="ja-JP" dirty="0" smtClean="0"/>
+              <a:t>3</a:t>
+            </a:r>
+            <a:r>
+              <a:rPr kumimoji="1" lang="ja-JP" altLang="en-US" dirty="0" smtClean="0"/>
+              <a:t>年間の変化はわかりにくい</a:t>
+            </a:r>
+            <a:endParaRPr kumimoji="1" lang="ja-JP" altLang="en-US" dirty="0"/>
+          </a:p>
+        </p:txBody>
+      </p:sp>
+      <p:sp>
+        <p:nvSpPr>
+          <p:cNvPr id="4" name="スライド番号プレースホルダー 3"/>
+          <p:cNvSpPr>
+            <a:spLocks noGrp="1"/>
+          </p:cNvSpPr>
+          <p:nvPr>
+            <p:ph type="sldNum" sz="quarter" idx="10"/>
+          </p:nvPr>
+        </p:nvSpPr>
+        <p:spPr/>
+        <p:txBody>
+          <a:bodyPr/>
+          <a:lstStyle/>
+          <a:p>
+            <a:fld id="{B680F6D6-D21C-A54D-92DD-980E7FE5B593}" type="slidenum">
+              <a:rPr kumimoji="1" lang="ja-JP" altLang="en-US" smtClean="0"/>
+              <a:t>1</a:t>
+            </a:fld>
+            <a:endParaRPr kumimoji="1" lang="ja-JP" altLang="en-US"/>
+          </a:p>
+        </p:txBody>
+      </p:sp>
+    </p:spTree>
+    <p:extLst>
+      <p:ext uri="{BB962C8B-B14F-4D97-AF65-F5344CB8AC3E}">
+        <p14:creationId xmlns:p14="http://schemas.microsoft.com/office/powerpoint/2010/main" val="1430234550"/>
+      </p:ext>
+    </p:extLst>
+  </p:cSld>
+  <p:clrMapOvr>
+    <a:masterClrMapping/>
+  </p:clrMapOvr>
+</p:notes>
+</file>
+
+<file path=ppt/notesSlides/notesSlide2.xml><?xml version="1.0" encoding="utf-8"?>
+<p:notes xmlns:a="http://schemas.openxmlformats.org/drawingml/2006/main" xmlns:r="http://schemas.openxmlformats.org/officeDocument/2006/relationships" xmlns:p="http://schemas.openxmlformats.org/presentationml/2006/main">
+  <p:cSld>
+    <p:spTree>
+      <p:nvGrpSpPr>
+        <p:cNvPr id="1" name=""/>
+        <p:cNvGrpSpPr/>
+        <p:nvPr/>
+      </p:nvGrpSpPr>
+      <p:grpSpPr>
+        <a:xfrm>
+          <a:off x="0" y="0"/>
+          <a:ext cx="0" cy="0"/>
+          <a:chOff x="0" y="0"/>
+          <a:chExt cx="0" cy="0"/>
+        </a:xfrm>
+      </p:grpSpPr>
+      <p:sp>
+        <p:nvSpPr>
+          <p:cNvPr id="2" name="スライド イメージ プレースホルダー 1"/>
+          <p:cNvSpPr>
+            <a:spLocks noGrp="1" noRot="1" noChangeAspect="1"/>
+          </p:cNvSpPr>
+          <p:nvPr>
+            <p:ph type="sldImg"/>
+          </p:nvPr>
+        </p:nvSpPr>
+        <p:spPr/>
+      </p:sp>
+      <p:sp>
+        <p:nvSpPr>
+          <p:cNvPr id="3" name="ノート プレースホルダー 2"/>
+          <p:cNvSpPr>
+            <a:spLocks noGrp="1"/>
+          </p:cNvSpPr>
+          <p:nvPr>
+            <p:ph type="body" idx="1"/>
+          </p:nvPr>
+        </p:nvSpPr>
+        <p:spPr/>
+        <p:txBody>
+          <a:bodyPr/>
+          <a:lstStyle/>
+          <a:p>
+            <a:r>
+              <a:rPr kumimoji="1" lang="en-US" altLang="ja-JP" dirty="0" smtClean="0"/>
+              <a:t>2015</a:t>
+            </a:r>
+          </a:p>
+          <a:p>
+            <a:endParaRPr kumimoji="1" lang="ja-JP" altLang="en-US" dirty="0"/>
+          </a:p>
+        </p:txBody>
+      </p:sp>
+      <p:sp>
+        <p:nvSpPr>
+          <p:cNvPr id="4" name="スライド番号プレースホルダー 3"/>
+          <p:cNvSpPr>
+            <a:spLocks noGrp="1"/>
+          </p:cNvSpPr>
+          <p:nvPr>
+            <p:ph type="sldNum" sz="quarter" idx="10"/>
+          </p:nvPr>
+        </p:nvSpPr>
+        <p:spPr/>
+        <p:txBody>
+          <a:bodyPr/>
+          <a:lstStyle/>
+          <a:p>
+            <a:fld id="{B680F6D6-D21C-A54D-92DD-980E7FE5B593}" type="slidenum">
+              <a:rPr kumimoji="1" lang="ja-JP" altLang="en-US" smtClean="0"/>
+              <a:t>2</a:t>
+            </a:fld>
+            <a:endParaRPr kumimoji="1" lang="ja-JP" altLang="en-US"/>
+          </a:p>
+        </p:txBody>
+      </p:sp>
+    </p:spTree>
+    <p:extLst>
+      <p:ext uri="{BB962C8B-B14F-4D97-AF65-F5344CB8AC3E}">
+        <p14:creationId xmlns:p14="http://schemas.microsoft.com/office/powerpoint/2010/main" val="1666553792"/>
+      </p:ext>
+    </p:extLst>
+  </p:cSld>
+  <p:clrMapOvr>
+    <a:masterClrMapping/>
+  </p:clrMapOvr>
+</p:notes>
+</file>
+
+<file path=ppt/notesSlides/notesSlide3.xml><?xml version="1.0" encoding="utf-8"?>
+<p:notes xmlns:a="http://schemas.openxmlformats.org/drawingml/2006/main" xmlns:r="http://schemas.openxmlformats.org/officeDocument/2006/relationships" xmlns:p="http://schemas.openxmlformats.org/presentationml/2006/main">
+  <p:cSld>
+    <p:spTree>
+      <p:nvGrpSpPr>
+        <p:cNvPr id="1" name=""/>
+        <p:cNvGrpSpPr/>
+        <p:nvPr/>
+      </p:nvGrpSpPr>
+      <p:grpSpPr>
+        <a:xfrm>
+          <a:off x="0" y="0"/>
+          <a:ext cx="0" cy="0"/>
+          <a:chOff x="0" y="0"/>
+          <a:chExt cx="0" cy="0"/>
+        </a:xfrm>
+      </p:grpSpPr>
+      <p:sp>
+        <p:nvSpPr>
+          <p:cNvPr id="2" name="スライド イメージ プレースホルダー 1"/>
+          <p:cNvSpPr>
+            <a:spLocks noGrp="1" noRot="1" noChangeAspect="1"/>
+          </p:cNvSpPr>
+          <p:nvPr>
+            <p:ph type="sldImg"/>
+          </p:nvPr>
+        </p:nvSpPr>
+        <p:spPr/>
+      </p:sp>
+      <p:sp>
+        <p:nvSpPr>
+          <p:cNvPr id="3" name="ノート プレースホルダー 2"/>
+          <p:cNvSpPr>
+            <a:spLocks noGrp="1"/>
+          </p:cNvSpPr>
+          <p:nvPr>
+            <p:ph type="body" idx="1"/>
+          </p:nvPr>
+        </p:nvSpPr>
+        <p:spPr/>
+        <p:txBody>
+          <a:bodyPr/>
+          <a:lstStyle/>
+          <a:p>
+            <a:endParaRPr kumimoji="1" lang="ja-JP" altLang="en-US" dirty="0"/>
+          </a:p>
+        </p:txBody>
+      </p:sp>
+      <p:sp>
+        <p:nvSpPr>
+          <p:cNvPr id="4" name="スライド番号プレースホルダー 3"/>
+          <p:cNvSpPr>
+            <a:spLocks noGrp="1"/>
+          </p:cNvSpPr>
+          <p:nvPr>
+            <p:ph type="sldNum" sz="quarter" idx="10"/>
+          </p:nvPr>
+        </p:nvSpPr>
+        <p:spPr/>
+        <p:txBody>
+          <a:bodyPr/>
+          <a:lstStyle/>
+          <a:p>
+            <a:fld id="{B680F6D6-D21C-A54D-92DD-980E7FE5B593}" type="slidenum">
+              <a:rPr kumimoji="1" lang="ja-JP" altLang="en-US" smtClean="0"/>
+              <a:t>5</a:t>
+            </a:fld>
+            <a:endParaRPr kumimoji="1" lang="ja-JP" altLang="en-US"/>
+          </a:p>
+        </p:txBody>
+      </p:sp>
+    </p:spTree>
+    <p:extLst>
+      <p:ext uri="{BB962C8B-B14F-4D97-AF65-F5344CB8AC3E}">
+        <p14:creationId xmlns:p14="http://schemas.microsoft.com/office/powerpoint/2010/main" val="1129626421"/>
+      </p:ext>
+    </p:extLst>
+  </p:cSld>
+  <p:clrMapOvr>
+    <a:masterClrMapping/>
+  </p:clrMapOvr>
+</p:notes>
 </file>
 
 <file path=ppt/slideLayouts/slideLayout1.xml><?xml version="1.0" encoding="utf-8"?>
@@ -3656,48 +3981,46 @@
       </p:grpSpPr>
       <p:sp>
         <p:nvSpPr>
-          <p:cNvPr id="4" name="テキスト ボックス 3"/>
-          <p:cNvSpPr txBox="1"/>
-          <p:nvPr/>
-        </p:nvSpPr>
-        <p:spPr>
-          <a:xfrm>
-            <a:off x="393895" y="407963"/>
-            <a:ext cx="4965896" cy="461665"/>
-          </a:xfrm>
-          <a:prstGeom prst="rect">
-            <a:avLst/>
-          </a:prstGeom>
-          <a:noFill/>
-        </p:spPr>
-        <p:txBody>
-          <a:bodyPr wrap="square" rtlCol="0">
-            <a:spAutoFit/>
-          </a:bodyPr>
-          <a:lstStyle/>
-          <a:p>
-            <a:r>
-              <a:rPr kumimoji="1" lang="en-US" altLang="ja-JP" sz="2400" dirty="0" smtClean="0"/>
-              <a:t>2017</a:t>
-            </a:r>
-            <a:r>
-              <a:rPr kumimoji="1" lang="ja-JP" altLang="en-US" sz="2400" dirty="0" smtClean="0"/>
-              <a:t>年のマラリアによる死亡者数</a:t>
-            </a:r>
-            <a:endParaRPr kumimoji="1" lang="ja-JP" altLang="en-US" sz="2400" dirty="0"/>
+          <p:cNvPr id="2" name="タイトル 1"/>
+          <p:cNvSpPr>
+            <a:spLocks noGrp="1"/>
+          </p:cNvSpPr>
+          <p:nvPr>
+            <p:ph type="title"/>
+          </p:nvPr>
+        </p:nvSpPr>
+        <p:spPr>
+          <a:xfrm>
+            <a:off x="191086" y="0"/>
+            <a:ext cx="10515600" cy="1338996"/>
+          </a:xfrm>
+        </p:spPr>
+        <p:txBody>
+          <a:bodyPr/>
+          <a:lstStyle/>
+          <a:p>
+            <a:r>
+              <a:rPr kumimoji="1" lang="en-US" altLang="ja-JP" dirty="0" smtClean="0"/>
+              <a:t>3</a:t>
+            </a:r>
+            <a:r>
+              <a:rPr kumimoji="1" lang="ja-JP" altLang="en-US" dirty="0" smtClean="0"/>
+              <a:t>年間のマラリアによる死亡数の推移</a:t>
+            </a:r>
+            <a:endParaRPr kumimoji="1" lang="ja-JP" altLang="en-US" dirty="0"/>
           </a:p>
         </p:txBody>
       </p:sp>
       <p:pic>
         <p:nvPicPr>
-          <p:cNvPr id="5" name="図 4"/>
+          <p:cNvPr id="4" name="図 3"/>
           <p:cNvPicPr>
             <a:picLocks noChangeAspect="1"/>
           </p:cNvPicPr>
           <p:nvPr/>
         </p:nvPicPr>
         <p:blipFill>
-          <a:blip r:embed="rId2">
+          <a:blip r:embed="rId3">
             <a:extLst>
               <a:ext uri="{28A0092B-C50C-407E-A947-70E740481C1C}">
                 <a14:useLocalDpi xmlns:a14="http://schemas.microsoft.com/office/drawing/2010/main" val="0"/>
@@ -3710,18 +4033,108 @@
         </p:blipFill>
         <p:spPr>
           <a:xfrm>
-            <a:off x="1075787" y="869628"/>
-            <a:ext cx="9052951" cy="5110376"/>
+            <a:off x="682811" y="925302"/>
+            <a:ext cx="5344796" cy="3017129"/>
           </a:xfrm>
           <a:prstGeom prst="rect">
             <a:avLst/>
           </a:prstGeom>
         </p:spPr>
       </p:pic>
+      <p:sp>
+        <p:nvSpPr>
+          <p:cNvPr id="5" name="テキスト ボックス 4"/>
+          <p:cNvSpPr txBox="1"/>
+          <p:nvPr/>
+        </p:nvSpPr>
+        <p:spPr>
+          <a:xfrm>
+            <a:off x="333997" y="1154330"/>
+            <a:ext cx="749736" cy="400110"/>
+          </a:xfrm>
+          <a:prstGeom prst="rect">
+            <a:avLst/>
+          </a:prstGeom>
+          <a:noFill/>
+        </p:spPr>
+        <p:txBody>
+          <a:bodyPr wrap="square" rtlCol="0">
+            <a:spAutoFit/>
+          </a:bodyPr>
+          <a:lstStyle/>
+          <a:p>
+            <a:r>
+              <a:rPr kumimoji="1" lang="en-US" altLang="ja-JP" sz="2000" dirty="0" smtClean="0"/>
+              <a:t>2017</a:t>
+            </a:r>
+            <a:endParaRPr kumimoji="1" lang="ja-JP" altLang="en-US" sz="2000" dirty="0"/>
+          </a:p>
+        </p:txBody>
+      </p:sp>
+      <p:pic>
+        <p:nvPicPr>
+          <p:cNvPr id="6" name="図 5"/>
+          <p:cNvPicPr>
+            <a:picLocks noChangeAspect="1"/>
+          </p:cNvPicPr>
+          <p:nvPr/>
+        </p:nvPicPr>
+        <p:blipFill>
+          <a:blip r:embed="rId4">
+            <a:extLst>
+              <a:ext uri="{28A0092B-C50C-407E-A947-70E740481C1C}">
+                <a14:useLocalDpi xmlns:a14="http://schemas.microsoft.com/office/drawing/2010/main" val="0"/>
+              </a:ext>
+            </a:extLst>
+          </a:blip>
+          <a:stretch>
+            <a:fillRect/>
+          </a:stretch>
+        </p:blipFill>
+        <p:spPr>
+          <a:xfrm>
+            <a:off x="6163074" y="3407898"/>
+            <a:ext cx="5736167" cy="3238057"/>
+          </a:xfrm>
+          <a:prstGeom prst="rect">
+            <a:avLst/>
+          </a:prstGeom>
+        </p:spPr>
+      </p:pic>
+      <p:sp>
+        <p:nvSpPr>
+          <p:cNvPr id="7" name="テキスト ボックス 6"/>
+          <p:cNvSpPr txBox="1"/>
+          <p:nvPr/>
+        </p:nvSpPr>
+        <p:spPr>
+          <a:xfrm>
+            <a:off x="5248674" y="6011333"/>
+            <a:ext cx="914400" cy="369332"/>
+          </a:xfrm>
+          <a:prstGeom prst="rect">
+            <a:avLst/>
+          </a:prstGeom>
+          <a:noFill/>
+        </p:spPr>
+        <p:txBody>
+          <a:bodyPr wrap="square" rtlCol="0">
+            <a:spAutoFit/>
+          </a:bodyPr>
+          <a:lstStyle/>
+          <a:p>
+            <a:r>
+              <a:rPr kumimoji="1" lang="en-US" altLang="ja-JP" dirty="0" smtClean="0"/>
+              <a:t>2016</a:t>
+            </a:r>
+            <a:endParaRPr kumimoji="1" lang="ja-JP" altLang="en-US" dirty="0"/>
+          </a:p>
+        </p:txBody>
+      </p:sp>
     </p:spTree>
     <p:extLst>
       <p:ext uri="{BB962C8B-B14F-4D97-AF65-F5344CB8AC3E}">
-        <p14:creationId xmlns:p14="http://schemas.microsoft.com/office/powerpoint/2010/main" val="1013625730"/>
+        <p14:creationId xmlns:p14="http://schemas.microsoft.com/office/powerpoint/2010/main" val="458101502"/>
       </p:ext>
     </p:extLst>
   </p:cSld>
@@ -3772,7 +4185,7 @@
           <a:p>
             <a:r>
               <a:rPr kumimoji="1" lang="ja-JP" altLang="en-US" dirty="0" smtClean="0"/>
-              <a:t>折れ線グラフで見る死亡率の推移</a:t>
+              <a:t>折れ線グラフと棒グラフを用いた比較</a:t>
             </a:r>
             <a:endParaRPr kumimoji="1" lang="ja-JP" altLang="en-US" dirty="0"/>
           </a:p>
@@ -3780,11 +4193,13 @@
       </p:sp>
       <p:pic>
         <p:nvPicPr>
-          <p:cNvPr id="4" name="図 3"/>
+          <p:cNvPr id="5" name="コンテンツ プレースホルダー 4"/>
           <p:cNvPicPr>
-            <a:picLocks noChangeAspect="1"/>
+            <a:picLocks noGrp="1" noChangeAspect="1"/>
           </p:cNvPicPr>
-          <p:nvPr/>
+          <p:nvPr>
+            <p:ph idx="1"/>
+          </p:nvPr>
         </p:nvPicPr>
         <p:blipFill>
           <a:blip r:embed="rId2">
@@ -3800,48 +4215,15 @@
         </p:blipFill>
         <p:spPr>
           <a:xfrm>
-            <a:off x="452967" y="1690688"/>
-            <a:ext cx="5852160" cy="4389120"/>
-          </a:xfrm>
-          <a:prstGeom prst="rect">
-            <a:avLst/>
-          </a:prstGeom>
-        </p:spPr>
-      </p:pic>
-      <p:pic>
-        <p:nvPicPr>
-          <p:cNvPr id="5" name="図 4"/>
-          <p:cNvPicPr>
-            <a:picLocks noChangeAspect="1"/>
-          </p:cNvPicPr>
-          <p:nvPr/>
-        </p:nvPicPr>
-        <p:blipFill>
-          <a:blip r:embed="rId3">
-            <a:extLst>
-              <a:ext uri="{28A0092B-C50C-407E-A947-70E740481C1C}">
-                <a14:useLocalDpi xmlns:a14="http://schemas.microsoft.com/office/drawing/2010/main" val="0"/>
-              </a:ext>
-            </a:extLst>
-          </a:blip>
-          <a:stretch>
-            <a:fillRect/>
-          </a:stretch>
-        </p:blipFill>
-        <p:spPr>
-          <a:xfrm>
-            <a:off x="6096000" y="1570567"/>
-            <a:ext cx="5852160" cy="4389120"/>
-          </a:xfrm>
-          <a:prstGeom prst="rect">
-            <a:avLst/>
-          </a:prstGeom>
+            <a:off x="3195108" y="1825625"/>
+            <a:ext cx="5801784" cy="4351338"/>
+          </a:xfrm>
         </p:spPr>
       </p:pic>
     </p:spTree>
     <p:extLst>
       <p:ext uri="{BB962C8B-B14F-4D97-AF65-F5344CB8AC3E}">
-        <p14:creationId xmlns:p14="http://schemas.microsoft.com/office/powerpoint/2010/main" val="1649306593"/>
+        <p14:creationId xmlns:p14="http://schemas.microsoft.com/office/powerpoint/2010/main" val="182119253"/>
       </p:ext>
     </p:extLst>
   </p:cSld>
@@ -3892,7 +4274,7 @@
           <a:p>
             <a:r>
               <a:rPr kumimoji="1" lang="ja-JP" altLang="en-US" dirty="0" smtClean="0"/>
-              <a:t>折れ線グラフと棒グラフを用いた比較</a:t>
+              <a:t>折れ線グラフで見る死亡率の推移</a:t>
             </a:r>
             <a:endParaRPr kumimoji="1" lang="ja-JP" altLang="en-US" dirty="0"/>
           </a:p>
@@ -3900,13 +4282,11 @@
       </p:sp>
       <p:pic>
         <p:nvPicPr>
-          <p:cNvPr id="4" name="コンテンツ プレースホルダー 3"/>
+          <p:cNvPr id="4" name="図 3"/>
           <p:cNvPicPr>
-            <a:picLocks noGrp="1" noChangeAspect="1"/>
+            <a:picLocks noChangeAspect="1"/>
           </p:cNvPicPr>
-          <p:nvPr>
-            <p:ph idx="1"/>
-          </p:nvPr>
+          <p:nvPr/>
         </p:nvPicPr>
         <p:blipFill>
           <a:blip r:embed="rId2">
@@ -3922,15 +4302,48 @@
         </p:blipFill>
         <p:spPr>
           <a:xfrm>
-            <a:off x="3195108" y="1825625"/>
-            <a:ext cx="5801784" cy="4351338"/>
-          </a:xfrm>
+            <a:off x="487680" y="1546226"/>
+            <a:ext cx="5852160" cy="4389120"/>
+          </a:xfrm>
+          <a:prstGeom prst="rect">
+            <a:avLst/>
+          </a:prstGeom>
+        </p:spPr>
+      </p:pic>
+      <p:pic>
+        <p:nvPicPr>
+          <p:cNvPr id="5" name="図 4"/>
+          <p:cNvPicPr>
+            <a:picLocks noChangeAspect="1"/>
+          </p:cNvPicPr>
+          <p:nvPr/>
+        </p:nvPicPr>
+        <p:blipFill>
+          <a:blip r:embed="rId3">
+            <a:extLst>
+              <a:ext uri="{28A0092B-C50C-407E-A947-70E740481C1C}">
+                <a14:useLocalDpi xmlns:a14="http://schemas.microsoft.com/office/drawing/2010/main" val="0"/>
+              </a:ext>
+            </a:extLst>
+          </a:blip>
+          <a:stretch>
+            <a:fillRect/>
+          </a:stretch>
+        </p:blipFill>
+        <p:spPr>
+          <a:xfrm>
+            <a:off x="6339840" y="1401764"/>
+            <a:ext cx="5852160" cy="4389120"/>
+          </a:xfrm>
+          <a:prstGeom prst="rect">
+            <a:avLst/>
+          </a:prstGeom>
         </p:spPr>
       </p:pic>
     </p:spTree>
     <p:extLst>
       <p:ext uri="{BB962C8B-B14F-4D97-AF65-F5344CB8AC3E}">
-        <p14:creationId xmlns:p14="http://schemas.microsoft.com/office/powerpoint/2010/main" val="182119253"/>
+        <p14:creationId xmlns:p14="http://schemas.microsoft.com/office/powerpoint/2010/main" val="1920793122"/>
       </p:ext>
     </p:extLst>
   </p:cSld>
@@ -3981,7 +4394,7 @@
           <a:p>
             <a:r>
               <a:rPr kumimoji="1" lang="ja-JP" altLang="en-US" dirty="0" smtClean="0"/>
-              <a:t>折れ線グラフで見る死亡率の推移</a:t>
+              <a:t>折れ線グラフと棒グラフを用いた比較</a:t>
             </a:r>
             <a:endParaRPr kumimoji="1" lang="ja-JP" altLang="en-US" dirty="0"/>
           </a:p>
@@ -3989,7 +4402,7 @@
       </p:sp>
       <p:pic>
         <p:nvPicPr>
-          <p:cNvPr id="4" name="図 3"/>
+          <p:cNvPr id="3" name="図 2"/>
           <p:cNvPicPr>
             <a:picLocks noChangeAspect="1"/>
           </p:cNvPicPr>
@@ -4009,128 +4422,8 @@
         </p:blipFill>
         <p:spPr>
           <a:xfrm>
-            <a:off x="487680" y="1546226"/>
-            <a:ext cx="5852160" cy="4389120"/>
-          </a:xfrm>
-          <a:prstGeom prst="rect">
-            <a:avLst/>
-          </a:prstGeom>
-        </p:spPr>
-      </p:pic>
-      <p:pic>
-        <p:nvPicPr>
-          <p:cNvPr id="5" name="図 4"/>
-          <p:cNvPicPr>
-            <a:picLocks noChangeAspect="1"/>
-          </p:cNvPicPr>
-          <p:nvPr/>
-        </p:nvPicPr>
-        <p:blipFill>
-          <a:blip r:embed="rId3">
-            <a:extLst>
-              <a:ext uri="{28A0092B-C50C-407E-A947-70E740481C1C}">
-                <a14:useLocalDpi xmlns:a14="http://schemas.microsoft.com/office/drawing/2010/main" val="0"/>
-              </a:ext>
-            </a:extLst>
-          </a:blip>
-          <a:stretch>
-            <a:fillRect/>
-          </a:stretch>
-        </p:blipFill>
-        <p:spPr>
-          <a:xfrm>
-            <a:off x="6339840" y="1401764"/>
-            <a:ext cx="5852160" cy="4389120"/>
-          </a:xfrm>
-          <a:prstGeom prst="rect">
-            <a:avLst/>
-          </a:prstGeom>
-        </p:spPr>
-      </p:pic>
-    </p:spTree>
-    <p:extLst>
-      <p:ext uri="{BB962C8B-B14F-4D97-AF65-F5344CB8AC3E}">
-        <p14:creationId xmlns:p14="http://schemas.microsoft.com/office/powerpoint/2010/main" val="1920793122"/>
-      </p:ext>
-    </p:extLst>
-  </p:cSld>
-  <p:clrMapOvr>
-    <a:masterClrMapping/>
-  </p:clrMapOvr>
-  <p:timing>
-    <p:tnLst>
-      <p:par>
-        <p:cTn id="1" dur="indefinite" restart="never" nodeType="tmRoot"/>
-      </p:par>
-    </p:tnLst>
-  </p:timing>
-</p:sld>
-</file>
-
-<file path=ppt/slides/slide13.xml><?xml version="1.0" encoding="utf-8"?>
-<p:sld xmlns:a="http://schemas.openxmlformats.org/drawingml/2006/main" xmlns:r="http://schemas.openxmlformats.org/officeDocument/2006/relationships" xmlns:p="http://schemas.openxmlformats.org/presentationml/2006/main">
-  <p:cSld>
-    <p:spTree>
-      <p:nvGrpSpPr>
-        <p:cNvPr id="1" name=""/>
-        <p:cNvGrpSpPr/>
-        <p:nvPr/>
-      </p:nvGrpSpPr>
-      <p:grpSpPr>
-        <a:xfrm>
-          <a:off x="0" y="0"/>
-          <a:ext cx="0" cy="0"/>
-          <a:chOff x="0" y="0"/>
-          <a:chExt cx="0" cy="0"/>
-        </a:xfrm>
-      </p:grpSpPr>
-      <p:sp>
-        <p:nvSpPr>
-          <p:cNvPr id="2" name="タイトル 1"/>
-          <p:cNvSpPr>
-            <a:spLocks noGrp="1"/>
-          </p:cNvSpPr>
-          <p:nvPr>
-            <p:ph type="title"/>
-          </p:nvPr>
-        </p:nvSpPr>
-        <p:spPr/>
-        <p:txBody>
-          <a:bodyPr/>
-          <a:lstStyle/>
-          <a:p>
-            <a:r>
-              <a:rPr kumimoji="1" lang="ja-JP" altLang="en-US" dirty="0" smtClean="0"/>
-              <a:t>折れ線グラフと棒グラフを用いた比較</a:t>
-            </a:r>
-            <a:endParaRPr kumimoji="1" lang="ja-JP" altLang="en-US" dirty="0"/>
-          </a:p>
-        </p:txBody>
-      </p:sp>
-      <p:pic>
-        <p:nvPicPr>
-          <p:cNvPr id="4" name="図 3"/>
-          <p:cNvPicPr>
-            <a:picLocks noChangeAspect="1"/>
-          </p:cNvPicPr>
-          <p:nvPr/>
-        </p:nvPicPr>
-        <p:blipFill>
-          <a:blip r:embed="rId2">
-            <a:extLst>
-              <a:ext uri="{28A0092B-C50C-407E-A947-70E740481C1C}">
-                <a14:useLocalDpi xmlns:a14="http://schemas.microsoft.com/office/drawing/2010/main" val="0"/>
-              </a:ext>
-            </a:extLst>
-          </a:blip>
-          <a:stretch>
-            <a:fillRect/>
-          </a:stretch>
-        </p:blipFill>
-        <p:spPr>
-          <a:xfrm>
-            <a:off x="2959100" y="1690688"/>
-            <a:ext cx="5852160" cy="4389120"/>
+            <a:off x="2883876" y="1690688"/>
+            <a:ext cx="5945945" cy="4459459"/>
           </a:xfrm>
           <a:prstGeom prst="rect">
             <a:avLst/>
@@ -4174,101 +4467,9 @@
           <a:chExt cx="0" cy="0"/>
         </a:xfrm>
       </p:grpSpPr>
-      <p:sp>
-        <p:nvSpPr>
-          <p:cNvPr id="2" name="タイトル 1"/>
-          <p:cNvSpPr>
-            <a:spLocks noGrp="1"/>
-          </p:cNvSpPr>
-          <p:nvPr>
-            <p:ph type="title"/>
-          </p:nvPr>
-        </p:nvSpPr>
-        <p:spPr>
-          <a:xfrm>
-            <a:off x="191086" y="0"/>
-            <a:ext cx="10515600" cy="1338996"/>
-          </a:xfrm>
-        </p:spPr>
-        <p:txBody>
-          <a:bodyPr/>
-          <a:lstStyle/>
-          <a:p>
-            <a:r>
-              <a:rPr kumimoji="1" lang="en-US" altLang="ja-JP" dirty="0" smtClean="0"/>
-              <a:t>3</a:t>
-            </a:r>
-            <a:r>
-              <a:rPr kumimoji="1" lang="ja-JP" altLang="en-US" dirty="0" smtClean="0"/>
-              <a:t>年間のマラリアによる死亡数の推移</a:t>
-            </a:r>
-            <a:endParaRPr kumimoji="1" lang="ja-JP" altLang="en-US" dirty="0"/>
-          </a:p>
-        </p:txBody>
-      </p:sp>
       <p:pic>
         <p:nvPicPr>
-          <p:cNvPr id="4" name="図 3"/>
-          <p:cNvPicPr>
-            <a:picLocks noChangeAspect="1"/>
-          </p:cNvPicPr>
-          <p:nvPr/>
-        </p:nvPicPr>
-        <p:blipFill>
-          <a:blip r:embed="rId2">
-            <a:extLst>
-              <a:ext uri="{28A0092B-C50C-407E-A947-70E740481C1C}">
-                <a14:useLocalDpi xmlns:a14="http://schemas.microsoft.com/office/drawing/2010/main" val="0"/>
-              </a:ext>
-            </a:extLst>
-          </a:blip>
-          <a:stretch>
-            <a:fillRect/>
-          </a:stretch>
-        </p:blipFill>
-        <p:spPr>
-          <a:xfrm>
-            <a:off x="682811" y="925302"/>
-            <a:ext cx="5344796" cy="3017129"/>
-          </a:xfrm>
-          <a:prstGeom prst="rect">
-            <a:avLst/>
-          </a:prstGeom>
-        </p:spPr>
-      </p:pic>
-      <p:sp>
-        <p:nvSpPr>
-          <p:cNvPr id="5" name="テキスト ボックス 4"/>
-          <p:cNvSpPr txBox="1"/>
-          <p:nvPr/>
-        </p:nvSpPr>
-        <p:spPr>
-          <a:xfrm>
-            <a:off x="333997" y="1154330"/>
-            <a:ext cx="749736" cy="400110"/>
-          </a:xfrm>
-          <a:prstGeom prst="rect">
-            <a:avLst/>
-          </a:prstGeom>
-          <a:noFill/>
-        </p:spPr>
-        <p:txBody>
-          <a:bodyPr wrap="square" rtlCol="0">
-            <a:spAutoFit/>
-          </a:bodyPr>
-          <a:lstStyle/>
-          <a:p>
-            <a:r>
-              <a:rPr kumimoji="1" lang="en-US" altLang="ja-JP" sz="2000" dirty="0" smtClean="0"/>
-              <a:t>2017</a:t>
-            </a:r>
-            <a:endParaRPr kumimoji="1" lang="ja-JP" altLang="en-US" sz="2000" dirty="0"/>
-          </a:p>
-        </p:txBody>
-      </p:sp>
-      <p:pic>
-        <p:nvPicPr>
-          <p:cNvPr id="6" name="図 5"/>
+          <p:cNvPr id="5" name="図 4"/>
           <p:cNvPicPr>
             <a:picLocks noChangeAspect="1"/>
           </p:cNvPicPr>
@@ -4288,8 +4489,8 @@
         </p:blipFill>
         <p:spPr>
           <a:xfrm>
-            <a:off x="6163074" y="3407898"/>
-            <a:ext cx="5736167" cy="3238057"/>
+            <a:off x="3200401" y="368301"/>
+            <a:ext cx="8111067" cy="4572502"/>
           </a:xfrm>
           <a:prstGeom prst="rect">
             <a:avLst/>
@@ -4298,14 +4499,14 @@
       </p:pic>
       <p:sp>
         <p:nvSpPr>
-          <p:cNvPr id="7" name="テキスト ボックス 6"/>
+          <p:cNvPr id="6" name="テキスト ボックス 5"/>
           <p:cNvSpPr txBox="1"/>
           <p:nvPr/>
         </p:nvSpPr>
         <p:spPr>
           <a:xfrm>
-            <a:off x="5248674" y="6011333"/>
-            <a:ext cx="914400" cy="369332"/>
+            <a:off x="1134533" y="880533"/>
+            <a:ext cx="914399" cy="461665"/>
           </a:xfrm>
           <a:prstGeom prst="rect">
             <a:avLst/>
@@ -4319,17 +4520,17 @@
           <a:lstStyle/>
           <a:p>
             <a:r>
-              <a:rPr kumimoji="1" lang="en-US" altLang="ja-JP" dirty="0" smtClean="0"/>
-              <a:t>2016</a:t>
-            </a:r>
-            <a:endParaRPr kumimoji="1" lang="ja-JP" altLang="en-US" dirty="0"/>
+              <a:rPr kumimoji="1" lang="en-US" altLang="ja-JP" sz="2400" dirty="0" smtClean="0"/>
+              <a:t>2015</a:t>
+            </a:r>
+            <a:endParaRPr kumimoji="1" lang="ja-JP" altLang="en-US" sz="2400" dirty="0"/>
           </a:p>
         </p:txBody>
       </p:sp>
     </p:spTree>
     <p:extLst>
       <p:ext uri="{BB962C8B-B14F-4D97-AF65-F5344CB8AC3E}">
-        <p14:creationId xmlns:p14="http://schemas.microsoft.com/office/powerpoint/2010/main" val="458101502"/>
+        <p14:creationId xmlns:p14="http://schemas.microsoft.com/office/powerpoint/2010/main" val="1490034702"/>
       </p:ext>
     </p:extLst>
   </p:cSld>
@@ -4365,7 +4566,7 @@
       </p:grpSpPr>
       <p:pic>
         <p:nvPicPr>
-          <p:cNvPr id="5" name="図 4"/>
+          <p:cNvPr id="4" name="図 3"/>
           <p:cNvPicPr>
             <a:picLocks noChangeAspect="1"/>
           </p:cNvPicPr>
@@ -4385,8 +4586,8 @@
         </p:blipFill>
         <p:spPr>
           <a:xfrm>
-            <a:off x="3200401" y="368301"/>
-            <a:ext cx="8111067" cy="4572502"/>
+            <a:off x="1388533" y="1151467"/>
+            <a:ext cx="3988430" cy="3265788"/>
           </a:xfrm>
           <a:prstGeom prst="rect">
             <a:avLst/>
@@ -4395,14 +4596,14 @@
       </p:pic>
       <p:sp>
         <p:nvSpPr>
-          <p:cNvPr id="6" name="テキスト ボックス 5"/>
+          <p:cNvPr id="5" name="テキスト ボックス 4"/>
           <p:cNvSpPr txBox="1"/>
           <p:nvPr/>
         </p:nvSpPr>
         <p:spPr>
           <a:xfrm>
-            <a:off x="1134533" y="880533"/>
-            <a:ext cx="914399" cy="461665"/>
+            <a:off x="524934" y="1151467"/>
+            <a:ext cx="1066800" cy="369332"/>
           </a:xfrm>
           <a:prstGeom prst="rect">
             <a:avLst/>
@@ -4416,17 +4617,77 @@
           <a:lstStyle/>
           <a:p>
             <a:r>
-              <a:rPr kumimoji="1" lang="en-US" altLang="ja-JP" sz="2400" dirty="0" smtClean="0"/>
-              <a:t>2015</a:t>
-            </a:r>
-            <a:endParaRPr kumimoji="1" lang="ja-JP" altLang="en-US" sz="2400" dirty="0"/>
+              <a:rPr kumimoji="1" lang="en-US" altLang="ja-JP" dirty="0" smtClean="0"/>
+              <a:t>2017</a:t>
+            </a:r>
+            <a:endParaRPr kumimoji="1" lang="ja-JP" altLang="en-US" dirty="0"/>
+          </a:p>
+        </p:txBody>
+      </p:sp>
+      <p:pic>
+        <p:nvPicPr>
+          <p:cNvPr id="2" name="図 1"/>
+          <p:cNvPicPr>
+            <a:picLocks/>
+          </p:cNvPicPr>
+          <p:nvPr/>
+        </p:nvPicPr>
+        <p:blipFill>
+          <a:blip r:embed="rId3">
+            <a:extLst>
+              <a:ext uri="{28A0092B-C50C-407E-A947-70E740481C1C}">
+                <a14:useLocalDpi xmlns:a14="http://schemas.microsoft.com/office/drawing/2010/main" val="0"/>
+              </a:ext>
+            </a:extLst>
+          </a:blip>
+          <a:stretch>
+            <a:fillRect/>
+          </a:stretch>
+        </p:blipFill>
+        <p:spPr>
+          <a:xfrm>
+            <a:off x="6682153" y="1151467"/>
+            <a:ext cx="4389121" cy="3265788"/>
+          </a:xfrm>
+          <a:prstGeom prst="rect">
+            <a:avLst/>
+          </a:prstGeom>
+        </p:spPr>
+      </p:pic>
+      <p:sp>
+        <p:nvSpPr>
+          <p:cNvPr id="3" name="テキスト ボックス 2"/>
+          <p:cNvSpPr txBox="1"/>
+          <p:nvPr/>
+        </p:nvSpPr>
+        <p:spPr>
+          <a:xfrm>
+            <a:off x="5548218" y="1151467"/>
+            <a:ext cx="697627" cy="369332"/>
+          </a:xfrm>
+          <a:prstGeom prst="rect">
+            <a:avLst/>
+          </a:prstGeom>
+          <a:noFill/>
+        </p:spPr>
+        <p:txBody>
+          <a:bodyPr wrap="none" rtlCol="0">
+            <a:spAutoFit/>
+          </a:bodyPr>
+          <a:lstStyle/>
+          <a:p>
+            <a:r>
+              <a:rPr kumimoji="1" lang="en-US" altLang="ja-JP" dirty="0" smtClean="0"/>
+              <a:t>2016</a:t>
+            </a:r>
+            <a:endParaRPr kumimoji="1" lang="ja-JP" altLang="en-US" dirty="0"/>
           </a:p>
         </p:txBody>
       </p:sp>
     </p:spTree>
     <p:extLst>
       <p:ext uri="{BB962C8B-B14F-4D97-AF65-F5344CB8AC3E}">
-        <p14:creationId xmlns:p14="http://schemas.microsoft.com/office/powerpoint/2010/main" val="1490034702"/>
+        <p14:creationId xmlns:p14="http://schemas.microsoft.com/office/powerpoint/2010/main" val="32864886"/>
       </p:ext>
     </p:extLst>
   </p:cSld>
@@ -4482,8 +4743,8 @@
         </p:blipFill>
         <p:spPr>
           <a:xfrm>
-            <a:off x="1388533" y="1151467"/>
-            <a:ext cx="3988430" cy="3265788"/>
+            <a:off x="4316826" y="1129908"/>
+            <a:ext cx="5563647" cy="3878189"/>
           </a:xfrm>
           <a:prstGeom prst="rect">
             <a:avLst/>
@@ -4498,8 +4759,8 @@
         </p:nvSpPr>
         <p:spPr>
           <a:xfrm>
-            <a:off x="524934" y="1151467"/>
-            <a:ext cx="1066800" cy="369332"/>
+            <a:off x="1786597" y="1129908"/>
+            <a:ext cx="870751" cy="461665"/>
           </a:xfrm>
           <a:prstGeom prst="rect">
             <a:avLst/>
@@ -4507,83 +4768,23 @@
           <a:noFill/>
         </p:spPr>
         <p:txBody>
-          <a:bodyPr wrap="square" rtlCol="0">
-            <a:spAutoFit/>
-          </a:bodyPr>
-          <a:lstStyle/>
-          <a:p>
-            <a:r>
-              <a:rPr kumimoji="1" lang="en-US" altLang="ja-JP" dirty="0" smtClean="0"/>
-              <a:t>2017</a:t>
-            </a:r>
-            <a:endParaRPr kumimoji="1" lang="ja-JP" altLang="en-US" dirty="0"/>
-          </a:p>
-        </p:txBody>
-      </p:sp>
-      <p:pic>
-        <p:nvPicPr>
-          <p:cNvPr id="2" name="図 1"/>
-          <p:cNvPicPr>
-            <a:picLocks/>
-          </p:cNvPicPr>
-          <p:nvPr/>
-        </p:nvPicPr>
-        <p:blipFill>
-          <a:blip r:embed="rId3">
-            <a:extLst>
-              <a:ext uri="{28A0092B-C50C-407E-A947-70E740481C1C}">
-                <a14:useLocalDpi xmlns:a14="http://schemas.microsoft.com/office/drawing/2010/main" val="0"/>
-              </a:ext>
-            </a:extLst>
-          </a:blip>
-          <a:stretch>
-            <a:fillRect/>
-          </a:stretch>
-        </p:blipFill>
-        <p:spPr>
-          <a:xfrm>
-            <a:off x="6682153" y="1151467"/>
-            <a:ext cx="4389121" cy="3265788"/>
-          </a:xfrm>
-          <a:prstGeom prst="rect">
-            <a:avLst/>
-          </a:prstGeom>
-        </p:spPr>
-      </p:pic>
-      <p:sp>
-        <p:nvSpPr>
-          <p:cNvPr id="3" name="テキスト ボックス 2"/>
-          <p:cNvSpPr txBox="1"/>
-          <p:nvPr/>
-        </p:nvSpPr>
-        <p:spPr>
-          <a:xfrm>
-            <a:off x="5548218" y="1151467"/>
-            <a:ext cx="697627" cy="369332"/>
-          </a:xfrm>
-          <a:prstGeom prst="rect">
-            <a:avLst/>
-          </a:prstGeom>
-          <a:noFill/>
-        </p:spPr>
-        <p:txBody>
           <a:bodyPr wrap="none" rtlCol="0">
             <a:spAutoFit/>
           </a:bodyPr>
           <a:lstStyle/>
           <a:p>
             <a:r>
-              <a:rPr kumimoji="1" lang="en-US" altLang="ja-JP" dirty="0" smtClean="0"/>
-              <a:t>2016</a:t>
-            </a:r>
-            <a:endParaRPr kumimoji="1" lang="ja-JP" altLang="en-US" dirty="0"/>
+              <a:rPr kumimoji="1" lang="en-US" altLang="ja-JP" sz="2400" dirty="0" smtClean="0"/>
+              <a:t>2015</a:t>
+            </a:r>
+            <a:endParaRPr kumimoji="1" lang="ja-JP" altLang="en-US" sz="2400" dirty="0"/>
           </a:p>
         </p:txBody>
       </p:sp>
     </p:spTree>
     <p:extLst>
       <p:ext uri="{BB962C8B-B14F-4D97-AF65-F5344CB8AC3E}">
-        <p14:creationId xmlns:p14="http://schemas.microsoft.com/office/powerpoint/2010/main" val="32864886"/>
+        <p14:creationId xmlns:p14="http://schemas.microsoft.com/office/powerpoint/2010/main" val="406264344"/>
       </p:ext>
     </p:extLst>
   </p:cSld>
@@ -4617,16 +4818,41 @@
           <a:chExt cx="0" cy="0"/>
         </a:xfrm>
       </p:grpSpPr>
+      <p:sp>
+        <p:nvSpPr>
+          <p:cNvPr id="2" name="タイトル 1"/>
+          <p:cNvSpPr>
+            <a:spLocks noGrp="1"/>
+          </p:cNvSpPr>
+          <p:nvPr>
+            <p:ph type="title"/>
+          </p:nvPr>
+        </p:nvSpPr>
+        <p:spPr/>
+        <p:txBody>
+          <a:bodyPr/>
+          <a:lstStyle/>
+          <a:p>
+            <a:r>
+              <a:rPr kumimoji="1" lang="ja-JP" altLang="en-US" dirty="0" smtClean="0"/>
+              <a:t>マラリアによる死亡率の推移</a:t>
+            </a:r>
+            <a:endParaRPr kumimoji="1" lang="ja-JP" altLang="en-US" dirty="0"/>
+          </a:p>
+        </p:txBody>
+      </p:sp>
       <p:pic>
         <p:nvPicPr>
-          <p:cNvPr id="4" name="図 3"/>
+          <p:cNvPr id="4" name="コンテンツ プレースホルダー 3"/>
           <p:cNvPicPr>
-            <a:picLocks noChangeAspect="1"/>
+            <a:picLocks noGrp="1" noChangeAspect="1"/>
           </p:cNvPicPr>
-          <p:nvPr/>
+          <p:nvPr>
+            <p:ph idx="1"/>
+          </p:nvPr>
         </p:nvPicPr>
         <p:blipFill>
-          <a:blip r:embed="rId2">
+          <a:blip r:embed="rId3">
             <a:extLst>
               <a:ext uri="{28A0092B-C50C-407E-A947-70E740481C1C}">
                 <a14:useLocalDpi xmlns:a14="http://schemas.microsoft.com/office/drawing/2010/main" val="0"/>
@@ -4639,12 +4865,9 @@
         </p:blipFill>
         <p:spPr>
           <a:xfrm>
-            <a:off x="4316826" y="1129908"/>
-            <a:ext cx="5563647" cy="3878189"/>
-          </a:xfrm>
-          <a:prstGeom prst="rect">
-            <a:avLst/>
-          </a:prstGeom>
+            <a:off x="465668" y="2387599"/>
+            <a:ext cx="5343466" cy="3425059"/>
+          </a:xfrm>
         </p:spPr>
       </p:pic>
       <p:sp>
@@ -4655,8 +4878,8 @@
         </p:nvSpPr>
         <p:spPr>
           <a:xfrm>
-            <a:off x="1786597" y="1129908"/>
-            <a:ext cx="870751" cy="461665"/>
+            <a:off x="465667" y="1459855"/>
+            <a:ext cx="1016000" cy="461665"/>
           </a:xfrm>
           <a:prstGeom prst="rect">
             <a:avLst/>
@@ -4664,29 +4887,96 @@
           <a:noFill/>
         </p:spPr>
         <p:txBody>
-          <a:bodyPr wrap="none" rtlCol="0">
+          <a:bodyPr wrap="square" rtlCol="0">
             <a:spAutoFit/>
           </a:bodyPr>
           <a:lstStyle/>
           <a:p>
             <a:r>
               <a:rPr kumimoji="1" lang="en-US" altLang="ja-JP" sz="2400" dirty="0" smtClean="0"/>
-              <a:t>2015</a:t>
+              <a:t>2017</a:t>
             </a:r>
             <a:endParaRPr kumimoji="1" lang="ja-JP" altLang="en-US" sz="2400" dirty="0"/>
           </a:p>
         </p:txBody>
       </p:sp>
+      <p:sp>
+        <p:nvSpPr>
+          <p:cNvPr id="6" name="テキスト ボックス 5"/>
+          <p:cNvSpPr txBox="1"/>
+          <p:nvPr/>
+        </p:nvSpPr>
+        <p:spPr>
+          <a:xfrm>
+            <a:off x="6082676" y="1459855"/>
+            <a:ext cx="999067" cy="461665"/>
+          </a:xfrm>
+          <a:prstGeom prst="rect">
+            <a:avLst/>
+          </a:prstGeom>
+          <a:noFill/>
+        </p:spPr>
+        <p:txBody>
+          <a:bodyPr wrap="square" rtlCol="0">
+            <a:spAutoFit/>
+          </a:bodyPr>
+          <a:lstStyle/>
+          <a:p>
+            <a:r>
+              <a:rPr kumimoji="1" lang="en-US" altLang="ja-JP" sz="2400" dirty="0" smtClean="0"/>
+              <a:t>2016</a:t>
+            </a:r>
+            <a:endParaRPr kumimoji="1" lang="ja-JP" altLang="en-US" sz="2400" dirty="0"/>
+          </a:p>
+        </p:txBody>
+      </p:sp>
+      <p:pic>
+        <p:nvPicPr>
+          <p:cNvPr id="3" name="図 2"/>
+          <p:cNvPicPr>
+            <a:picLocks noChangeAspect="1"/>
+          </p:cNvPicPr>
+          <p:nvPr/>
+        </p:nvPicPr>
+        <p:blipFill>
+          <a:blip r:embed="rId4">
+            <a:extLst>
+              <a:ext uri="{28A0092B-C50C-407E-A947-70E740481C1C}">
+                <a14:useLocalDpi xmlns:a14="http://schemas.microsoft.com/office/drawing/2010/main" val="0"/>
+              </a:ext>
+            </a:extLst>
+          </a:blip>
+          <a:stretch>
+            <a:fillRect/>
+          </a:stretch>
+        </p:blipFill>
+        <p:spPr>
+          <a:xfrm>
+            <a:off x="6082676" y="2329875"/>
+            <a:ext cx="5470188" cy="3482783"/>
+          </a:xfrm>
+          <a:prstGeom prst="rect">
+            <a:avLst/>
+          </a:prstGeom>
+        </p:spPr>
+      </p:pic>
     </p:spTree>
     <p:extLst>
       <p:ext uri="{BB962C8B-B14F-4D97-AF65-F5344CB8AC3E}">
-        <p14:creationId xmlns:p14="http://schemas.microsoft.com/office/powerpoint/2010/main" val="406264344"/>
+        <p14:creationId xmlns:p14="http://schemas.microsoft.com/office/powerpoint/2010/main" val="1432915046"/>
       </p:ext>
     </p:extLst>
   </p:cSld>
   <p:clrMapOvr>
     <a:masterClrMapping/>
   </p:clrMapOvr>
+  <p:timing>
+    <p:tnLst>
+      <p:par>
+        <p:cTn id="1" dur="indefinite" restart="never" nodeType="tmRoot"/>
+      </p:par>
+    </p:tnLst>
+  </p:timing>
 </p:sld>
 </file>
 
@@ -4709,22 +4999,29 @@
       </p:grpSpPr>
       <p:sp>
         <p:nvSpPr>
-          <p:cNvPr id="2" name="タイトル 1"/>
-          <p:cNvSpPr>
-            <a:spLocks noGrp="1"/>
-          </p:cNvSpPr>
-          <p:nvPr>
-            <p:ph type="title"/>
-          </p:nvPr>
-        </p:nvSpPr>
-        <p:spPr/>
-        <p:txBody>
-          <a:bodyPr/>
-          <a:lstStyle/>
-          <a:p>
-            <a:r>
-              <a:rPr kumimoji="1" lang="ja-JP" altLang="en-US" dirty="0" smtClean="0"/>
-              <a:t>マラリアによる死亡率の推移</a:t>
+          <p:cNvPr id="4" name="テキスト ボックス 3"/>
+          <p:cNvSpPr txBox="1"/>
+          <p:nvPr/>
+        </p:nvSpPr>
+        <p:spPr>
+          <a:xfrm>
+            <a:off x="1463040" y="745588"/>
+            <a:ext cx="697627" cy="369332"/>
+          </a:xfrm>
+          <a:prstGeom prst="rect">
+            <a:avLst/>
+          </a:prstGeom>
+          <a:noFill/>
+        </p:spPr>
+        <p:txBody>
+          <a:bodyPr wrap="none" rtlCol="0">
+            <a:spAutoFit/>
+          </a:bodyPr>
+          <a:lstStyle/>
+          <a:p>
+            <a:r>
+              <a:rPr kumimoji="1" lang="en-US" altLang="ja-JP" smtClean="0"/>
+              <a:t>2015</a:t>
             </a:r>
             <a:endParaRPr kumimoji="1" lang="ja-JP" altLang="en-US" dirty="0"/>
           </a:p>
@@ -4732,13 +5029,11 @@
       </p:sp>
       <p:pic>
         <p:nvPicPr>
-          <p:cNvPr id="4" name="コンテンツ プレースホルダー 3"/>
+          <p:cNvPr id="5" name="図 4"/>
           <p:cNvPicPr>
-            <a:picLocks noGrp="1" noChangeAspect="1"/>
+            <a:picLocks noChangeAspect="1"/>
           </p:cNvPicPr>
-          <p:nvPr>
-            <p:ph idx="1"/>
-          </p:nvPr>
+          <p:nvPr/>
         </p:nvPicPr>
         <p:blipFill>
           <a:blip r:embed="rId2">
@@ -4754,95 +5049,8 @@
         </p:blipFill>
         <p:spPr>
           <a:xfrm>
-            <a:off x="465668" y="2387599"/>
-            <a:ext cx="5343466" cy="3425059"/>
-          </a:xfrm>
-        </p:spPr>
-      </p:pic>
-      <p:sp>
-        <p:nvSpPr>
-          <p:cNvPr id="5" name="テキスト ボックス 4"/>
-          <p:cNvSpPr txBox="1"/>
-          <p:nvPr/>
-        </p:nvSpPr>
-        <p:spPr>
-          <a:xfrm>
-            <a:off x="465667" y="1459855"/>
-            <a:ext cx="1016000" cy="461665"/>
-          </a:xfrm>
-          <a:prstGeom prst="rect">
-            <a:avLst/>
-          </a:prstGeom>
-          <a:noFill/>
-        </p:spPr>
-        <p:txBody>
-          <a:bodyPr wrap="square" rtlCol="0">
-            <a:spAutoFit/>
-          </a:bodyPr>
-          <a:lstStyle/>
-          <a:p>
-            <a:r>
-              <a:rPr kumimoji="1" lang="en-US" altLang="ja-JP" sz="2400" dirty="0" smtClean="0"/>
-              <a:t>2017</a:t>
-            </a:r>
-            <a:endParaRPr kumimoji="1" lang="ja-JP" altLang="en-US" sz="2400" dirty="0"/>
-          </a:p>
-        </p:txBody>
-      </p:sp>
-      <p:sp>
-        <p:nvSpPr>
-          <p:cNvPr id="6" name="テキスト ボックス 5"/>
-          <p:cNvSpPr txBox="1"/>
-          <p:nvPr/>
-        </p:nvSpPr>
-        <p:spPr>
-          <a:xfrm>
-            <a:off x="6082676" y="1459855"/>
-            <a:ext cx="999067" cy="461665"/>
-          </a:xfrm>
-          <a:prstGeom prst="rect">
-            <a:avLst/>
-          </a:prstGeom>
-          <a:noFill/>
-        </p:spPr>
-        <p:txBody>
-          <a:bodyPr wrap="square" rtlCol="0">
-            <a:spAutoFit/>
-          </a:bodyPr>
-          <a:lstStyle/>
-          <a:p>
-            <a:r>
-              <a:rPr kumimoji="1" lang="en-US" altLang="ja-JP" sz="2400" dirty="0" smtClean="0"/>
-              <a:t>2016</a:t>
-            </a:r>
-            <a:endParaRPr kumimoji="1" lang="ja-JP" altLang="en-US" sz="2400" dirty="0"/>
-          </a:p>
-        </p:txBody>
-      </p:sp>
-      <p:pic>
-        <p:nvPicPr>
-          <p:cNvPr id="3" name="図 2"/>
-          <p:cNvPicPr>
-            <a:picLocks noChangeAspect="1"/>
-          </p:cNvPicPr>
-          <p:nvPr/>
-        </p:nvPicPr>
-        <p:blipFill>
-          <a:blip r:embed="rId3">
-            <a:extLst>
-              <a:ext uri="{28A0092B-C50C-407E-A947-70E740481C1C}">
-                <a14:useLocalDpi xmlns:a14="http://schemas.microsoft.com/office/drawing/2010/main" val="0"/>
-              </a:ext>
-            </a:extLst>
-          </a:blip>
-          <a:stretch>
-            <a:fillRect/>
-          </a:stretch>
-        </p:blipFill>
-        <p:spPr>
-          <a:xfrm>
-            <a:off x="6082676" y="2329875"/>
-            <a:ext cx="5470188" cy="3482783"/>
+            <a:off x="2476500" y="1092200"/>
+            <a:ext cx="7226300" cy="4673600"/>
           </a:xfrm>
           <a:prstGeom prst="rect">
             <a:avLst/>
@@ -4852,7 +5060,7 @@
     </p:spTree>
     <p:extLst>
       <p:ext uri="{BB962C8B-B14F-4D97-AF65-F5344CB8AC3E}">
-        <p14:creationId xmlns:p14="http://schemas.microsoft.com/office/powerpoint/2010/main" val="1432915046"/>
+        <p14:creationId xmlns:p14="http://schemas.microsoft.com/office/powerpoint/2010/main" val="1833226302"/>
       </p:ext>
     </p:extLst>
   </p:cSld>
@@ -4886,76 +5094,131 @@
           <a:chExt cx="0" cy="0"/>
         </a:xfrm>
       </p:grpSpPr>
-      <p:sp>
-        <p:nvSpPr>
-          <p:cNvPr id="4" name="テキスト ボックス 3"/>
-          <p:cNvSpPr txBox="1"/>
-          <p:nvPr/>
-        </p:nvSpPr>
-        <p:spPr>
-          <a:xfrm>
-            <a:off x="1463040" y="745588"/>
-            <a:ext cx="697627" cy="369332"/>
-          </a:xfrm>
-          <a:prstGeom prst="rect">
-            <a:avLst/>
-          </a:prstGeom>
-          <a:noFill/>
-        </p:spPr>
-        <p:txBody>
-          <a:bodyPr wrap="none" rtlCol="0">
-            <a:spAutoFit/>
-          </a:bodyPr>
-          <a:lstStyle/>
-          <a:p>
-            <a:r>
-              <a:rPr kumimoji="1" lang="en-US" altLang="ja-JP" smtClean="0"/>
-              <a:t>2015</a:t>
-            </a:r>
-            <a:endParaRPr kumimoji="1" lang="ja-JP" altLang="en-US" dirty="0"/>
-          </a:p>
-        </p:txBody>
-      </p:sp>
       <p:pic>
         <p:nvPicPr>
-          <p:cNvPr id="5" name="図 4"/>
+          <p:cNvPr id="4" name="図 3"/>
           <p:cNvPicPr>
             <a:picLocks noChangeAspect="1"/>
           </p:cNvPicPr>
           <p:nvPr/>
         </p:nvPicPr>
         <p:blipFill>
-          <a:blip r:embed="rId2">
-            <a:extLst>
-              <a:ext uri="{28A0092B-C50C-407E-A947-70E740481C1C}">
-                <a14:useLocalDpi xmlns:a14="http://schemas.microsoft.com/office/drawing/2010/main" val="0"/>
-              </a:ext>
-            </a:extLst>
-          </a:blip>
+          <a:blip r:embed="rId2"/>
           <a:stretch>
             <a:fillRect/>
           </a:stretch>
         </p:blipFill>
         <p:spPr>
           <a:xfrm>
-            <a:off x="2476500" y="1092200"/>
-            <a:ext cx="7226300" cy="4673600"/>
+            <a:off x="6443240" y="2011679"/>
+            <a:ext cx="4066751" cy="3629465"/>
           </a:xfrm>
           <a:prstGeom prst="rect">
             <a:avLst/>
           </a:prstGeom>
         </p:spPr>
       </p:pic>
+      <p:sp>
+        <p:nvSpPr>
+          <p:cNvPr id="5" name="テキスト ボックス 4"/>
+          <p:cNvSpPr txBox="1"/>
+          <p:nvPr/>
+        </p:nvSpPr>
+        <p:spPr>
+          <a:xfrm>
+            <a:off x="6696222" y="1280160"/>
+            <a:ext cx="870751" cy="461665"/>
+          </a:xfrm>
+          <a:prstGeom prst="rect">
+            <a:avLst/>
+          </a:prstGeom>
+          <a:noFill/>
+        </p:spPr>
+        <p:txBody>
+          <a:bodyPr wrap="none" rtlCol="0">
+            <a:spAutoFit/>
+          </a:bodyPr>
+          <a:lstStyle/>
+          <a:p>
+            <a:r>
+              <a:rPr kumimoji="1" lang="en-US" altLang="ja-JP" sz="2400" dirty="0" smtClean="0"/>
+              <a:t>2016</a:t>
+            </a:r>
+            <a:endParaRPr kumimoji="1" lang="ja-JP" altLang="en-US" sz="2400" dirty="0"/>
+          </a:p>
+        </p:txBody>
+      </p:sp>
+      <p:pic>
+        <p:nvPicPr>
+          <p:cNvPr id="6" name="図 5"/>
+          <p:cNvPicPr>
+            <a:picLocks noChangeAspect="1"/>
+          </p:cNvPicPr>
+          <p:nvPr/>
+        </p:nvPicPr>
+        <p:blipFill>
+          <a:blip r:embed="rId3"/>
+          <a:stretch>
+            <a:fillRect/>
+          </a:stretch>
+        </p:blipFill>
+        <p:spPr>
+          <a:xfrm>
+            <a:off x="1209821" y="2011679"/>
+            <a:ext cx="3762437" cy="3742635"/>
+          </a:xfrm>
+          <a:prstGeom prst="rect">
+            <a:avLst/>
+          </a:prstGeom>
+        </p:spPr>
+      </p:pic>
+      <p:sp>
+        <p:nvSpPr>
+          <p:cNvPr id="7" name="テキスト ボックス 6"/>
+          <p:cNvSpPr txBox="1"/>
+          <p:nvPr/>
+        </p:nvSpPr>
+        <p:spPr>
+          <a:xfrm>
+            <a:off x="1209821" y="1280160"/>
+            <a:ext cx="870751" cy="461665"/>
+          </a:xfrm>
+          <a:prstGeom prst="rect">
+            <a:avLst/>
+          </a:prstGeom>
+          <a:noFill/>
+        </p:spPr>
+        <p:txBody>
+          <a:bodyPr wrap="none" rtlCol="0">
+            <a:spAutoFit/>
+          </a:bodyPr>
+          <a:lstStyle/>
+          <a:p>
+            <a:r>
+              <a:rPr kumimoji="1" lang="en-US" altLang="ja-JP" sz="2400" dirty="0" smtClean="0"/>
+              <a:t>2017</a:t>
+            </a:r>
+            <a:endParaRPr kumimoji="1" lang="ja-JP" altLang="en-US" sz="2400" dirty="0"/>
+          </a:p>
+        </p:txBody>
+      </p:sp>
     </p:spTree>
     <p:extLst>
       <p:ext uri="{BB962C8B-B14F-4D97-AF65-F5344CB8AC3E}">
-        <p14:creationId xmlns:p14="http://schemas.microsoft.com/office/powerpoint/2010/main" val="1833226302"/>
+        <p14:creationId xmlns:p14="http://schemas.microsoft.com/office/powerpoint/2010/main" val="1719456714"/>
       </p:ext>
     </p:extLst>
   </p:cSld>
   <p:clrMapOvr>
     <a:masterClrMapping/>
   </p:clrMapOvr>
+  <p:timing>
+    <p:tnLst>
+      <p:par>
+        <p:cTn id="1" dur="indefinite" restart="never" nodeType="tmRoot"/>
+      </p:par>
+    </p:tnLst>
+  </p:timing>
 </p:sld>
 </file>
 
@@ -4992,8 +5255,8 @@
         </p:blipFill>
         <p:spPr>
           <a:xfrm>
-            <a:off x="6443240" y="2011679"/>
-            <a:ext cx="4066751" cy="3629465"/>
+            <a:off x="3849999" y="1747812"/>
+            <a:ext cx="4098246" cy="4076213"/>
           </a:xfrm>
           <a:prstGeom prst="rect">
             <a:avLst/>
@@ -5008,8 +5271,8 @@
         </p:nvSpPr>
         <p:spPr>
           <a:xfrm>
-            <a:off x="6696222" y="1280160"/>
-            <a:ext cx="870751" cy="461665"/>
+            <a:off x="1856935" y="928468"/>
+            <a:ext cx="1420837" cy="461665"/>
           </a:xfrm>
           <a:prstGeom prst="rect">
             <a:avLst/>
@@ -5017,68 +5280,14 @@
           <a:noFill/>
         </p:spPr>
         <p:txBody>
-          <a:bodyPr wrap="none" rtlCol="0">
+          <a:bodyPr wrap="square" rtlCol="0">
             <a:spAutoFit/>
           </a:bodyPr>
           <a:lstStyle/>
           <a:p>
             <a:r>
               <a:rPr kumimoji="1" lang="en-US" altLang="ja-JP" sz="2400" dirty="0" smtClean="0"/>
-              <a:t>2016</a:t>
-            </a:r>
-            <a:endParaRPr kumimoji="1" lang="ja-JP" altLang="en-US" sz="2400" dirty="0"/>
-          </a:p>
-        </p:txBody>
-      </p:sp>
-      <p:pic>
-        <p:nvPicPr>
-          <p:cNvPr id="6" name="図 5"/>
-          <p:cNvPicPr>
-            <a:picLocks noChangeAspect="1"/>
-          </p:cNvPicPr>
-          <p:nvPr/>
-        </p:nvPicPr>
-        <p:blipFill>
-          <a:blip r:embed="rId3"/>
-          <a:stretch>
-            <a:fillRect/>
-          </a:stretch>
-        </p:blipFill>
-        <p:spPr>
-          <a:xfrm>
-            <a:off x="1209821" y="2011679"/>
-            <a:ext cx="3762437" cy="3742635"/>
-          </a:xfrm>
-          <a:prstGeom prst="rect">
-            <a:avLst/>
-          </a:prstGeom>
-        </p:spPr>
-      </p:pic>
-      <p:sp>
-        <p:nvSpPr>
-          <p:cNvPr id="7" name="テキスト ボックス 6"/>
-          <p:cNvSpPr txBox="1"/>
-          <p:nvPr/>
-        </p:nvSpPr>
-        <p:spPr>
-          <a:xfrm>
-            <a:off x="1209821" y="1280160"/>
-            <a:ext cx="870751" cy="461665"/>
-          </a:xfrm>
-          <a:prstGeom prst="rect">
-            <a:avLst/>
-          </a:prstGeom>
-          <a:noFill/>
-        </p:spPr>
-        <p:txBody>
-          <a:bodyPr wrap="none" rtlCol="0">
-            <a:spAutoFit/>
-          </a:bodyPr>
-          <a:lstStyle/>
-          <a:p>
-            <a:r>
-              <a:rPr kumimoji="1" lang="en-US" altLang="ja-JP" sz="2400" dirty="0" smtClean="0"/>
-              <a:t>2017</a:t>
+              <a:t>2015</a:t>
             </a:r>
             <a:endParaRPr kumimoji="1" lang="ja-JP" altLang="en-US" sz="2400" dirty="0"/>
           </a:p>
@@ -5087,13 +5296,20 @@
     </p:spTree>
     <p:extLst>
       <p:ext uri="{BB962C8B-B14F-4D97-AF65-F5344CB8AC3E}">
-        <p14:creationId xmlns:p14="http://schemas.microsoft.com/office/powerpoint/2010/main" val="1719456714"/>
+        <p14:creationId xmlns:p14="http://schemas.microsoft.com/office/powerpoint/2010/main" val="1418970683"/>
       </p:ext>
     </p:extLst>
   </p:cSld>
   <p:clrMapOvr>
     <a:masterClrMapping/>
   </p:clrMapOvr>
+  <p:timing>
+    <p:tnLst>
+      <p:par>
+        <p:cTn id="1" dur="indefinite" restart="never" nodeType="tmRoot"/>
+      </p:par>
+    </p:tnLst>
+  </p:timing>
 </p:sld>
 </file>
 
@@ -5114,6 +5330,29 @@
           <a:chExt cx="0" cy="0"/>
         </a:xfrm>
       </p:grpSpPr>
+      <p:sp>
+        <p:nvSpPr>
+          <p:cNvPr id="2" name="タイトル 1"/>
+          <p:cNvSpPr>
+            <a:spLocks noGrp="1"/>
+          </p:cNvSpPr>
+          <p:nvPr>
+            <p:ph type="title"/>
+          </p:nvPr>
+        </p:nvSpPr>
+        <p:spPr/>
+        <p:txBody>
+          <a:bodyPr/>
+          <a:lstStyle/>
+          <a:p>
+            <a:r>
+              <a:rPr kumimoji="1" lang="ja-JP" altLang="en-US" dirty="0" smtClean="0"/>
+              <a:t>折れ線グラフで見る死亡率の推移</a:t>
+            </a:r>
+            <a:endParaRPr kumimoji="1" lang="ja-JP" altLang="en-US" dirty="0"/>
+          </a:p>
+        </p:txBody>
+      </p:sp>
       <p:pic>
         <p:nvPicPr>
           <p:cNvPr id="4" name="図 3"/>
@@ -5123,61 +5362,74 @@
           <p:nvPr/>
         </p:nvPicPr>
         <p:blipFill>
-          <a:blip r:embed="rId2"/>
+          <a:blip r:embed="rId2">
+            <a:extLst>
+              <a:ext uri="{28A0092B-C50C-407E-A947-70E740481C1C}">
+                <a14:useLocalDpi xmlns:a14="http://schemas.microsoft.com/office/drawing/2010/main" val="0"/>
+              </a:ext>
+            </a:extLst>
+          </a:blip>
           <a:stretch>
             <a:fillRect/>
           </a:stretch>
         </p:blipFill>
         <p:spPr>
           <a:xfrm>
-            <a:off x="3849999" y="1747812"/>
-            <a:ext cx="4098246" cy="4076213"/>
+            <a:off x="452967" y="1690688"/>
+            <a:ext cx="5852160" cy="4389120"/>
           </a:xfrm>
           <a:prstGeom prst="rect">
             <a:avLst/>
           </a:prstGeom>
         </p:spPr>
       </p:pic>
-      <p:sp>
-        <p:nvSpPr>
-          <p:cNvPr id="5" name="テキスト ボックス 4"/>
-          <p:cNvSpPr txBox="1"/>
+      <p:pic>
+        <p:nvPicPr>
+          <p:cNvPr id="5" name="図 4"/>
+          <p:cNvPicPr>
+            <a:picLocks noChangeAspect="1"/>
+          </p:cNvPicPr>
           <p:nvPr/>
-        </p:nvSpPr>
-        <p:spPr>
-          <a:xfrm>
-            <a:off x="1856935" y="928468"/>
-            <a:ext cx="1420837" cy="461665"/>
+        </p:nvPicPr>
+        <p:blipFill>
+          <a:blip r:embed="rId3">
+            <a:extLst>
+              <a:ext uri="{28A0092B-C50C-407E-A947-70E740481C1C}">
+                <a14:useLocalDpi xmlns:a14="http://schemas.microsoft.com/office/drawing/2010/main" val="0"/>
+              </a:ext>
+            </a:extLst>
+          </a:blip>
+          <a:stretch>
+            <a:fillRect/>
+          </a:stretch>
+        </p:blipFill>
+        <p:spPr>
+          <a:xfrm>
+            <a:off x="6096000" y="1570567"/>
+            <a:ext cx="5852160" cy="4389120"/>
           </a:xfrm>
           <a:prstGeom prst="rect">
             <a:avLst/>
           </a:prstGeom>
-          <a:noFill/>
-        </p:spPr>
-        <p:txBody>
-          <a:bodyPr wrap="square" rtlCol="0">
-            <a:spAutoFit/>
-          </a:bodyPr>
-          <a:lstStyle/>
-          <a:p>
-            <a:r>
-              <a:rPr kumimoji="1" lang="en-US" altLang="ja-JP" sz="2400" dirty="0" smtClean="0"/>
-              <a:t>2015</a:t>
-            </a:r>
-            <a:endParaRPr kumimoji="1" lang="ja-JP" altLang="en-US" sz="2400" dirty="0"/>
-          </a:p>
-        </p:txBody>
-      </p:sp>
+        </p:spPr>
+      </p:pic>
     </p:spTree>
     <p:extLst>
       <p:ext uri="{BB962C8B-B14F-4D97-AF65-F5344CB8AC3E}">
-        <p14:creationId xmlns:p14="http://schemas.microsoft.com/office/powerpoint/2010/main" val="1418970683"/>
+        <p14:creationId xmlns:p14="http://schemas.microsoft.com/office/powerpoint/2010/main" val="1649306593"/>
       </p:ext>
     </p:extLst>
   </p:cSld>
   <p:clrMapOvr>
     <a:masterClrMapping/>
   </p:clrMapOvr>
+  <p:timing>
+    <p:tnLst>
+      <p:par>
+        <p:cTn id="1" dur="indefinite" restart="never" nodeType="tmRoot"/>
+      </p:par>
+    </p:tnLst>
+  </p:timing>
 </p:sld>
 </file>
 
